--- a/poster_v2.pptx
+++ b/poster_v2.pptx
@@ -3883,8 +3883,8 @@
         </p:nvSpPr>
         <p:spPr>
           <a:xfrm>
-            <a:off x="3657600" y="1150965"/>
-            <a:ext cx="36576000" cy="2937440"/>
+            <a:off x="3657600" y="1752599"/>
+            <a:ext cx="36576000" cy="2335805"/>
           </a:xfrm>
           <a:prstGeom prst="rect">
             <a:avLst/>
@@ -4050,25 +4050,7 @@
               <a:defRPr/>
             </a:pPr>
             <a:r>
-              <a:rPr lang="en-US" sz="8500" b="1" dirty="0">
-                <a:solidFill>
-                  <a:schemeClr val="bg1"/>
-                </a:solidFill>
-                <a:effectLst/>
-                <a:latin typeface="Quattrocento" panose="02020802030000000404" pitchFamily="18" charset="0"/>
-              </a:rPr>
-              <a:t>A cellular automaton model of</a:t>
-            </a:r>
-          </a:p>
-          <a:p>
-            <a:pPr algn="ctr" defTabSz="3761086">
-              <a:spcBef>
-                <a:spcPct val="20000"/>
-              </a:spcBef>
-              <a:defRPr/>
-            </a:pPr>
-            <a:r>
-              <a:rPr lang="en-US" sz="8500" b="1" dirty="0">
+              <a:rPr lang="en-US" sz="9600" b="1" dirty="0">
                 <a:solidFill>
                   <a:schemeClr val="bg1"/>
                 </a:solidFill>
@@ -4383,7 +4365,7 @@
           </a:lstStyle>
           <a:p>
             <a:pPr algn="ctr"/>
-            <a:endParaRPr lang="en-US" sz="9600">
+            <a:endParaRPr lang="en-US" sz="9600" dirty="0">
               <a:latin typeface="+mj-lt"/>
             </a:endParaRPr>
           </a:p>
